--- a/hackaton.pptx
+++ b/hackaton.pptx
@@ -108,6 +108,22 @@
       </a:defRPr>
     </a:lvl9pPr>
   </p:defaultTextStyle>
+  <p:extLst>
+    <p:ext uri="{EFAFB233-063F-42B5-8137-9DF3F51BA10A}">
+      <p15:sldGuideLst xmlns:p15="http://schemas.microsoft.com/office/powerpoint/2012/main">
+        <p15:guide id="1" orient="horz" pos="2160">
+          <p15:clr>
+            <a:srgbClr val="A4A3A4"/>
+          </p15:clr>
+        </p15:guide>
+        <p15:guide id="2" pos="2880">
+          <p15:clr>
+            <a:srgbClr val="A4A3A4"/>
+          </p15:clr>
+        </p15:guide>
+      </p15:sldGuideLst>
+    </p:ext>
+  </p:extLst>
 </p:presentation>
 </file>
 
@@ -292,7 +308,7 @@
           <a:p>
             <a:fld id="{065A5AF2-E1C1-4C16-9382-EF6DC1516A77}" type="datetimeFigureOut">
               <a:rPr lang="ru-RU" smtClean="0"/>
-              <a:t>11.09.2017</a:t>
+              <a:t>12.09.17</a:t>
             </a:fld>
             <a:endParaRPr lang="ru-RU"/>
           </a:p>
@@ -462,7 +478,7 @@
           <a:p>
             <a:fld id="{065A5AF2-E1C1-4C16-9382-EF6DC1516A77}" type="datetimeFigureOut">
               <a:rPr lang="ru-RU" smtClean="0"/>
-              <a:t>11.09.2017</a:t>
+              <a:t>12.09.17</a:t>
             </a:fld>
             <a:endParaRPr lang="ru-RU"/>
           </a:p>
@@ -642,7 +658,7 @@
           <a:p>
             <a:fld id="{065A5AF2-E1C1-4C16-9382-EF6DC1516A77}" type="datetimeFigureOut">
               <a:rPr lang="ru-RU" smtClean="0"/>
-              <a:t>11.09.2017</a:t>
+              <a:t>12.09.17</a:t>
             </a:fld>
             <a:endParaRPr lang="ru-RU"/>
           </a:p>
@@ -812,7 +828,7 @@
           <a:p>
             <a:fld id="{065A5AF2-E1C1-4C16-9382-EF6DC1516A77}" type="datetimeFigureOut">
               <a:rPr lang="ru-RU" smtClean="0"/>
-              <a:t>11.09.2017</a:t>
+              <a:t>12.09.17</a:t>
             </a:fld>
             <a:endParaRPr lang="ru-RU"/>
           </a:p>
@@ -1058,7 +1074,7 @@
           <a:p>
             <a:fld id="{065A5AF2-E1C1-4C16-9382-EF6DC1516A77}" type="datetimeFigureOut">
               <a:rPr lang="ru-RU" smtClean="0"/>
-              <a:t>11.09.2017</a:t>
+              <a:t>12.09.17</a:t>
             </a:fld>
             <a:endParaRPr lang="ru-RU"/>
           </a:p>
@@ -1346,7 +1362,7 @@
           <a:p>
             <a:fld id="{065A5AF2-E1C1-4C16-9382-EF6DC1516A77}" type="datetimeFigureOut">
               <a:rPr lang="ru-RU" smtClean="0"/>
-              <a:t>11.09.2017</a:t>
+              <a:t>12.09.17</a:t>
             </a:fld>
             <a:endParaRPr lang="ru-RU"/>
           </a:p>
@@ -1768,7 +1784,7 @@
           <a:p>
             <a:fld id="{065A5AF2-E1C1-4C16-9382-EF6DC1516A77}" type="datetimeFigureOut">
               <a:rPr lang="ru-RU" smtClean="0"/>
-              <a:t>11.09.2017</a:t>
+              <a:t>12.09.17</a:t>
             </a:fld>
             <a:endParaRPr lang="ru-RU"/>
           </a:p>
@@ -1886,7 +1902,7 @@
           <a:p>
             <a:fld id="{065A5AF2-E1C1-4C16-9382-EF6DC1516A77}" type="datetimeFigureOut">
               <a:rPr lang="ru-RU" smtClean="0"/>
-              <a:t>11.09.2017</a:t>
+              <a:t>12.09.17</a:t>
             </a:fld>
             <a:endParaRPr lang="ru-RU"/>
           </a:p>
@@ -1981,7 +1997,7 @@
           <a:p>
             <a:fld id="{065A5AF2-E1C1-4C16-9382-EF6DC1516A77}" type="datetimeFigureOut">
               <a:rPr lang="ru-RU" smtClean="0"/>
-              <a:t>11.09.2017</a:t>
+              <a:t>12.09.17</a:t>
             </a:fld>
             <a:endParaRPr lang="ru-RU"/>
           </a:p>
@@ -2258,7 +2274,7 @@
           <a:p>
             <a:fld id="{065A5AF2-E1C1-4C16-9382-EF6DC1516A77}" type="datetimeFigureOut">
               <a:rPr lang="ru-RU" smtClean="0"/>
-              <a:t>11.09.2017</a:t>
+              <a:t>12.09.17</a:t>
             </a:fld>
             <a:endParaRPr lang="ru-RU"/>
           </a:p>
@@ -2511,7 +2527,7 @@
           <a:p>
             <a:fld id="{065A5AF2-E1C1-4C16-9382-EF6DC1516A77}" type="datetimeFigureOut">
               <a:rPr lang="ru-RU" smtClean="0"/>
-              <a:t>11.09.2017</a:t>
+              <a:t>12.09.17</a:t>
             </a:fld>
             <a:endParaRPr lang="ru-RU"/>
           </a:p>
@@ -2724,7 +2740,7 @@
           <a:p>
             <a:fld id="{065A5AF2-E1C1-4C16-9382-EF6DC1516A77}" type="datetimeFigureOut">
               <a:rPr lang="ru-RU" smtClean="0"/>
-              <a:t>11.09.2017</a:t>
+              <a:t>12.09.17</a:t>
             </a:fld>
             <a:endParaRPr lang="ru-RU"/>
           </a:p>
@@ -3239,23 +3255,12 @@
           <a:p>
             <a:r>
               <a:rPr lang="en-US" dirty="0" smtClean="0"/>
-              <a:t>Indirect interactions between devices</a:t>
-            </a:r>
-          </a:p>
-          <a:p>
+              <a:t>Indirect interactions between </a:t>
+            </a:r>
             <a:r>
               <a:rPr lang="en-US" dirty="0" smtClean="0"/>
-              <a:t>Connect with devices with </a:t>
-            </a:r>
-            <a:r>
-              <a:rPr lang="en-US" dirty="0" err="1" smtClean="0"/>
-              <a:t>mdns</a:t>
-            </a:r>
-            <a:r>
-              <a:rPr lang="en-US" dirty="0" smtClean="0"/>
-              <a:t>/bonjour support</a:t>
-            </a:r>
-            <a:endParaRPr lang="ru-RU" dirty="0"/>
+              <a:t>devices</a:t>
+            </a:r>
           </a:p>
         </p:txBody>
       </p:sp>
@@ -3462,7 +3467,7 @@
           <a:p>
             <a:r>
               <a:rPr lang="en-US" dirty="0" smtClean="0"/>
-              <a:t>802.11</a:t>
+              <a:t>802.x</a:t>
             </a:r>
             <a:endParaRPr lang="ru-RU" dirty="0"/>
           </a:p>

--- a/hackaton.pptx
+++ b/hackaton.pptx
@@ -10,6 +10,7 @@
     <p:sldId id="258" r:id="rId4"/>
     <p:sldId id="259" r:id="rId5"/>
     <p:sldId id="260" r:id="rId6"/>
+    <p:sldId id="261" r:id="rId7"/>
   </p:sldIdLst>
   <p:sldSz cx="9144000" cy="6858000" type="screen4x3"/>
   <p:notesSz cx="6858000" cy="9144000"/>
@@ -110,7 +111,7 @@
   </p:defaultTextStyle>
   <p:extLst>
     <p:ext uri="{EFAFB233-063F-42B5-8137-9DF3F51BA10A}">
-      <p15:sldGuideLst xmlns:p15="http://schemas.microsoft.com/office/powerpoint/2012/main">
+      <p15:sldGuideLst xmlns:p15="http://schemas.microsoft.com/office/powerpoint/2012/main" xmlns="">
         <p15:guide id="1" orient="horz" pos="2160">
           <p15:clr>
             <a:srgbClr val="A4A3A4"/>
@@ -308,7 +309,7 @@
           <a:p>
             <a:fld id="{065A5AF2-E1C1-4C16-9382-EF6DC1516A77}" type="datetimeFigureOut">
               <a:rPr lang="ru-RU" smtClean="0"/>
-              <a:t>12.09.17</a:t>
+              <a:t>15.09.2017</a:t>
             </a:fld>
             <a:endParaRPr lang="ru-RU"/>
           </a:p>
@@ -478,7 +479,7 @@
           <a:p>
             <a:fld id="{065A5AF2-E1C1-4C16-9382-EF6DC1516A77}" type="datetimeFigureOut">
               <a:rPr lang="ru-RU" smtClean="0"/>
-              <a:t>12.09.17</a:t>
+              <a:t>15.09.2017</a:t>
             </a:fld>
             <a:endParaRPr lang="ru-RU"/>
           </a:p>
@@ -658,7 +659,7 @@
           <a:p>
             <a:fld id="{065A5AF2-E1C1-4C16-9382-EF6DC1516A77}" type="datetimeFigureOut">
               <a:rPr lang="ru-RU" smtClean="0"/>
-              <a:t>12.09.17</a:t>
+              <a:t>15.09.2017</a:t>
             </a:fld>
             <a:endParaRPr lang="ru-RU"/>
           </a:p>
@@ -828,7 +829,7 @@
           <a:p>
             <a:fld id="{065A5AF2-E1C1-4C16-9382-EF6DC1516A77}" type="datetimeFigureOut">
               <a:rPr lang="ru-RU" smtClean="0"/>
-              <a:t>12.09.17</a:t>
+              <a:t>15.09.2017</a:t>
             </a:fld>
             <a:endParaRPr lang="ru-RU"/>
           </a:p>
@@ -1074,7 +1075,7 @@
           <a:p>
             <a:fld id="{065A5AF2-E1C1-4C16-9382-EF6DC1516A77}" type="datetimeFigureOut">
               <a:rPr lang="ru-RU" smtClean="0"/>
-              <a:t>12.09.17</a:t>
+              <a:t>15.09.2017</a:t>
             </a:fld>
             <a:endParaRPr lang="ru-RU"/>
           </a:p>
@@ -1362,7 +1363,7 @@
           <a:p>
             <a:fld id="{065A5AF2-E1C1-4C16-9382-EF6DC1516A77}" type="datetimeFigureOut">
               <a:rPr lang="ru-RU" smtClean="0"/>
-              <a:t>12.09.17</a:t>
+              <a:t>15.09.2017</a:t>
             </a:fld>
             <a:endParaRPr lang="ru-RU"/>
           </a:p>
@@ -1784,7 +1785,7 @@
           <a:p>
             <a:fld id="{065A5AF2-E1C1-4C16-9382-EF6DC1516A77}" type="datetimeFigureOut">
               <a:rPr lang="ru-RU" smtClean="0"/>
-              <a:t>12.09.17</a:t>
+              <a:t>15.09.2017</a:t>
             </a:fld>
             <a:endParaRPr lang="ru-RU"/>
           </a:p>
@@ -1902,7 +1903,7 @@
           <a:p>
             <a:fld id="{065A5AF2-E1C1-4C16-9382-EF6DC1516A77}" type="datetimeFigureOut">
               <a:rPr lang="ru-RU" smtClean="0"/>
-              <a:t>12.09.17</a:t>
+              <a:t>15.09.2017</a:t>
             </a:fld>
             <a:endParaRPr lang="ru-RU"/>
           </a:p>
@@ -1997,7 +1998,7 @@
           <a:p>
             <a:fld id="{065A5AF2-E1C1-4C16-9382-EF6DC1516A77}" type="datetimeFigureOut">
               <a:rPr lang="ru-RU" smtClean="0"/>
-              <a:t>12.09.17</a:t>
+              <a:t>15.09.2017</a:t>
             </a:fld>
             <a:endParaRPr lang="ru-RU"/>
           </a:p>
@@ -2274,7 +2275,7 @@
           <a:p>
             <a:fld id="{065A5AF2-E1C1-4C16-9382-EF6DC1516A77}" type="datetimeFigureOut">
               <a:rPr lang="ru-RU" smtClean="0"/>
-              <a:t>12.09.17</a:t>
+              <a:t>15.09.2017</a:t>
             </a:fld>
             <a:endParaRPr lang="ru-RU"/>
           </a:p>
@@ -2527,7 +2528,7 @@
           <a:p>
             <a:fld id="{065A5AF2-E1C1-4C16-9382-EF6DC1516A77}" type="datetimeFigureOut">
               <a:rPr lang="ru-RU" smtClean="0"/>
-              <a:t>12.09.17</a:t>
+              <a:t>15.09.2017</a:t>
             </a:fld>
             <a:endParaRPr lang="ru-RU"/>
           </a:p>
@@ -2740,7 +2741,7 @@
           <a:p>
             <a:fld id="{065A5AF2-E1C1-4C16-9382-EF6DC1516A77}" type="datetimeFigureOut">
               <a:rPr lang="ru-RU" smtClean="0"/>
-              <a:t>12.09.17</a:t>
+              <a:t>15.09.2017</a:t>
             </a:fld>
             <a:endParaRPr lang="ru-RU"/>
           </a:p>
@@ -3255,11 +3256,7 @@
           <a:p>
             <a:r>
               <a:rPr lang="en-US" dirty="0" smtClean="0"/>
-              <a:t>Indirect interactions between </a:t>
-            </a:r>
-            <a:r>
-              <a:rPr lang="en-US" dirty="0" smtClean="0"/>
-              <a:t>devices</a:t>
+              <a:t>Indirect interactions between devices</a:t>
             </a:r>
           </a:p>
         </p:txBody>
@@ -3839,6 +3836,118 @@
     <p:extLst>
       <p:ext uri="{BB962C8B-B14F-4D97-AF65-F5344CB8AC3E}">
         <p14:creationId xmlns:p14="http://schemas.microsoft.com/office/powerpoint/2010/main" val="941234254"/>
+      </p:ext>
+    </p:extLst>
+  </p:cSld>
+  <p:clrMapOvr>
+    <a:masterClrMapping/>
+  </p:clrMapOvr>
+</p:sld>
+</file>
+
+<file path=ppt/slides/slide6.xml><?xml version="1.0" encoding="utf-8"?>
+<p:sld xmlns:a="http://schemas.openxmlformats.org/drawingml/2006/main" xmlns:r="http://schemas.openxmlformats.org/officeDocument/2006/relationships" xmlns:p="http://schemas.openxmlformats.org/presentationml/2006/main">
+  <p:cSld>
+    <p:spTree>
+      <p:nvGrpSpPr>
+        <p:cNvPr id="1" name=""/>
+        <p:cNvGrpSpPr/>
+        <p:nvPr/>
+      </p:nvGrpSpPr>
+      <p:grpSpPr>
+        <a:xfrm>
+          <a:off x="0" y="0"/>
+          <a:ext cx="0" cy="0"/>
+          <a:chOff x="0" y="0"/>
+          <a:chExt cx="0" cy="0"/>
+        </a:xfrm>
+      </p:grpSpPr>
+      <p:sp>
+        <p:nvSpPr>
+          <p:cNvPr id="2" name="Title 1"/>
+          <p:cNvSpPr>
+            <a:spLocks noGrp="1"/>
+          </p:cNvSpPr>
+          <p:nvPr>
+            <p:ph type="title"/>
+          </p:nvPr>
+        </p:nvSpPr>
+        <p:spPr/>
+        <p:txBody>
+          <a:bodyPr/>
+          <a:lstStyle/>
+          <a:p>
+            <a:r>
+              <a:rPr lang="en-US" dirty="0" smtClean="0"/>
+              <a:t>FURTHER DEVELOPMENT</a:t>
+            </a:r>
+            <a:endParaRPr lang="ru-RU" dirty="0"/>
+          </a:p>
+        </p:txBody>
+      </p:sp>
+      <p:sp>
+        <p:nvSpPr>
+          <p:cNvPr id="3" name="Content Placeholder 2"/>
+          <p:cNvSpPr>
+            <a:spLocks noGrp="1"/>
+          </p:cNvSpPr>
+          <p:nvPr>
+            <p:ph idx="1"/>
+          </p:nvPr>
+        </p:nvSpPr>
+        <p:spPr/>
+        <p:txBody>
+          <a:bodyPr>
+            <a:normAutofit fontScale="92500" lnSpcReduction="10000"/>
+          </a:bodyPr>
+          <a:lstStyle/>
+          <a:p>
+            <a:r>
+              <a:rPr lang="en-US" dirty="0" smtClean="0"/>
+              <a:t>Implement windows platform support</a:t>
+            </a:r>
+          </a:p>
+          <a:p>
+            <a:r>
+              <a:rPr lang="en-US" dirty="0" smtClean="0"/>
+              <a:t>Provide “platform-plugin” architecture design</a:t>
+            </a:r>
+          </a:p>
+          <a:p>
+            <a:r>
+              <a:rPr lang="en-US" dirty="0" smtClean="0"/>
+              <a:t>Simple UI with connection details (one-button approach)</a:t>
+            </a:r>
+          </a:p>
+          <a:p>
+            <a:r>
+              <a:rPr lang="en-US" dirty="0" smtClean="0"/>
+              <a:t>Propose l3 routing inside mesh</a:t>
+            </a:r>
+          </a:p>
+          <a:p>
+            <a:r>
+              <a:rPr lang="en-US" dirty="0" smtClean="0"/>
+              <a:t>Ability to choose broadcast domain for single adapter</a:t>
+            </a:r>
+          </a:p>
+          <a:p>
+            <a:r>
+              <a:rPr lang="en-US" dirty="0" smtClean="0"/>
+              <a:t>Ability to choose domain uplink for a set </a:t>
+            </a:r>
+            <a:r>
+              <a:rPr lang="en-US" smtClean="0"/>
+              <a:t>of adapters</a:t>
+            </a:r>
+            <a:endParaRPr lang="ru-RU" dirty="0"/>
+          </a:p>
+        </p:txBody>
+      </p:sp>
+    </p:spTree>
+    <p:extLst>
+      <p:ext uri="{BB962C8B-B14F-4D97-AF65-F5344CB8AC3E}">
+        <p14:creationId xmlns:p14="http://schemas.microsoft.com/office/powerpoint/2010/main" val="453859763"/>
       </p:ext>
     </p:extLst>
   </p:cSld>
